--- a/2015/02/websharper-101/WebSharper101.pptx
+++ b/2015/02/websharper-101/WebSharper101.pptx
@@ -3046,11 +3046,7 @@
           <a:p>
             <a:r>
               <a:rPr lang="en-US" dirty="0" smtClean="0"/>
-              <a:t>Anton Tayanovskyy (@t0yv0</a:t>
-            </a:r>
-            <a:r>
-              <a:rPr lang="en-US" dirty="0" smtClean="0"/>
-              <a:t>)</a:t>
+              <a:t>Anton Tayanovskyy (@t0yv0)</a:t>
             </a:r>
           </a:p>
           <a:p>
@@ -3320,6 +3316,12 @@
               <a:t>, server-side markup, URL safety</a:t>
             </a:r>
           </a:p>
+          <a:p>
+            <a:r>
+              <a:rPr lang="en-US" dirty="0" smtClean="0"/>
+              <a:t>Showcase</a:t>
+            </a:r>
+          </a:p>
         </p:txBody>
       </p:sp>
     </p:spTree>
@@ -3895,7 +3897,11 @@
           <a:p>
             <a:r>
               <a:rPr lang="en-US" dirty="0" smtClean="0"/>
-              <a:t>Code walkthrough </a:t>
+              <a:t>Code </a:t>
+            </a:r>
+            <a:r>
+              <a:rPr lang="en-US" dirty="0" smtClean="0"/>
+              <a:t>walkthrough, demos </a:t>
             </a:r>
             <a:r>
               <a:rPr lang="en-US" dirty="0" smtClean="0"/>
@@ -5546,15 +5552,7 @@
           <a:p>
             <a:r>
               <a:rPr lang="en-US" dirty="0" smtClean="0"/>
-              <a:t>Are you familiar enough with JavaScript </a:t>
-            </a:r>
-            <a:r>
-              <a:rPr lang="en-US" dirty="0" smtClean="0"/>
-              <a:t>to hate </a:t>
-            </a:r>
-            <a:r>
-              <a:rPr lang="en-US" dirty="0" smtClean="0"/>
-              <a:t>it?</a:t>
+              <a:t>Are you familiar enough with JavaScript to hate it?</a:t>
             </a:r>
             <a:endParaRPr lang="en-US" dirty="0"/>
           </a:p>
